--- a/training-cards/music moves/01_musicmoves_templates/Aufbau_einer_Karte.pptx
+++ b/training-cards/music moves/01_musicmoves_templates/Aufbau_einer_Karte.pptx
@@ -565,7 +565,7 @@
           <a:p>
             <a:fld id="{FF5B2BAF-DF38-0A48-A798-0C06E514FD52}" type="datetimeFigureOut">
               <a:rPr lang="de-DE" smtClean="0"/>
-              <a:t>12.10.15</a:t>
+              <a:t>14.10.15</a:t>
             </a:fld>
             <a:endParaRPr lang="de-DE" dirty="0"/>
           </a:p>
@@ -787,7 +787,7 @@
           <a:p>
             <a:fld id="{FF5B2BAF-DF38-0A48-A798-0C06E514FD52}" type="datetimeFigureOut">
               <a:rPr lang="de-DE" smtClean="0"/>
-              <a:t>12.10.15</a:t>
+              <a:t>14.10.15</a:t>
             </a:fld>
             <a:endParaRPr lang="de-DE" dirty="0"/>
           </a:p>
@@ -1570,15 +1570,19 @@
           <a:p>
             <a:r>
               <a:rPr lang="de-DE" sz="1400" dirty="0" smtClean="0"/>
-              <a:t>In klaren Handlungsanweisungen </a:t>
+              <a:t>In klaren Handlungsanweisungen und mit genauen Zahlen über Zeitraum und Anzahl der Wiederholungen wird ein handfestes Training definiert, </a:t>
+            </a:r>
+            <a:r>
+              <a:rPr lang="de-DE" sz="1400" smtClean="0"/>
+              <a:t>das </a:t>
+            </a:r>
+            <a:r>
+              <a:rPr lang="de-DE" sz="1400" smtClean="0"/>
+              <a:t>eins </a:t>
             </a:r>
             <a:r>
               <a:rPr lang="de-DE" sz="1400" dirty="0" smtClean="0"/>
-              <a:t>und mit genauen Zahlen über Zeitraum und Anzahl der Wiederholungen w</a:t>
-            </a:r>
-            <a:r>
-              <a:rPr lang="de-DE" sz="1400" dirty="0" smtClean="0"/>
-              <a:t>ird ein handfestes Training definiert, das ein zu eins umgesetzt werden kann.</a:t>
+              <a:t>zu eins umgesetzt werden kann.</a:t>
             </a:r>
           </a:p>
           <a:p>
@@ -1598,7 +1602,11 @@
             </a:br>
             <a:r>
               <a:rPr lang="de-DE" sz="1400" dirty="0" smtClean="0"/>
-              <a:t> bedeutet „</a:t>
+              <a:t>bedeutet </a:t>
+            </a:r>
+            <a:r>
+              <a:rPr lang="de-DE" sz="1400" dirty="0" smtClean="0"/>
+              <a:t>„</a:t>
             </a:r>
             <a:r>
               <a:rPr lang="de-DE" sz="1400" dirty="0" err="1" smtClean="0"/>

--- a/training-cards/music moves/01_musicmoves_templates/Aufbau_einer_Karte.pptx
+++ b/training-cards/music moves/01_musicmoves_templates/Aufbau_einer_Karte.pptx
@@ -105,6 +105,22 @@
       </a:defRPr>
     </a:lvl9pPr>
   </p:defaultTextStyle>
+  <p:extLst>
+    <p:ext uri="{EFAFB233-063F-42B5-8137-9DF3F51BA10A}">
+      <p15:sldGuideLst xmlns:p15="http://schemas.microsoft.com/office/powerpoint/2012/main">
+        <p15:guide id="1" orient="horz" pos="872">
+          <p15:clr>
+            <a:srgbClr val="A4A3A4"/>
+          </p15:clr>
+        </p15:guide>
+        <p15:guide id="2" pos="735">
+          <p15:clr>
+            <a:srgbClr val="A4A3A4"/>
+          </p15:clr>
+        </p15:guide>
+      </p15:sldGuideLst>
+    </p:ext>
+  </p:extLst>
 </p:presentation>
 </file>
 
@@ -565,7 +581,7 @@
           <a:p>
             <a:fld id="{FF5B2BAF-DF38-0A48-A798-0C06E514FD52}" type="datetimeFigureOut">
               <a:rPr lang="de-DE" smtClean="0"/>
-              <a:t>14.10.15</a:t>
+              <a:t>07.05.16</a:t>
             </a:fld>
             <a:endParaRPr lang="de-DE" dirty="0"/>
           </a:p>
@@ -787,7 +803,7 @@
           <a:p>
             <a:fld id="{FF5B2BAF-DF38-0A48-A798-0C06E514FD52}" type="datetimeFigureOut">
               <a:rPr lang="de-DE" smtClean="0"/>
-              <a:t>14.10.15</a:t>
+              <a:t>07.05.16</a:t>
             </a:fld>
             <a:endParaRPr lang="de-DE" dirty="0"/>
           </a:p>
@@ -1515,7 +1531,23 @@
             </a:pPr>
             <a:r>
               <a:rPr lang="de-DE" dirty="0" smtClean="0"/>
-              <a:t>NAME DES AUTORS</a:t>
+              <a:t>NAME </a:t>
+            </a:r>
+            <a:r>
+              <a:rPr lang="de-DE" dirty="0" err="1" smtClean="0"/>
+              <a:t>DEr</a:t>
+            </a:r>
+            <a:r>
+              <a:rPr lang="de-DE" dirty="0" smtClean="0"/>
+              <a:t> </a:t>
+            </a:r>
+            <a:r>
+              <a:rPr lang="de-DE" dirty="0" err="1" smtClean="0"/>
+              <a:t>AUTORin</a:t>
+            </a:r>
+            <a:r>
+              <a:rPr lang="de-DE" dirty="0" smtClean="0"/>
+              <a:t> oder des Autors</a:t>
             </a:r>
             <a:endParaRPr lang="de-DE" dirty="0"/>
           </a:p>
@@ -1570,53 +1602,19 @@
           <a:p>
             <a:r>
               <a:rPr lang="de-DE" sz="1400" dirty="0" smtClean="0"/>
-              <a:t>In klaren Handlungsanweisungen und mit genauen Zahlen über Zeitraum und Anzahl der Wiederholungen wird ein handfestes Training definiert, </a:t>
-            </a:r>
-            <a:r>
-              <a:rPr lang="de-DE" sz="1400" smtClean="0"/>
-              <a:t>das </a:t>
-            </a:r>
-            <a:r>
-              <a:rPr lang="de-DE" sz="1400" smtClean="0"/>
-              <a:t>eins </a:t>
+              <a:t>In klaren Handlungsanweisungen und mit genauen Zahlen über Zeitraum und Anzahl der Wiederholungen wird ein handfestes Training definiert, das eins zu eins umgesetzt werden kann</a:t>
             </a:r>
             <a:r>
               <a:rPr lang="de-DE" sz="1400" dirty="0" smtClean="0"/>
-              <a:t>zu eins umgesetzt werden kann.</a:t>
+              <a:t>.</a:t>
             </a:r>
           </a:p>
           <a:p>
             <a:r>
               <a:rPr lang="de-DE" sz="1400" dirty="0" smtClean="0"/>
-              <a:t>Das Icon rechts unten zeigt an, auf welchem Level </a:t>
-            </a:r>
-            <a:br>
-              <a:rPr lang="de-DE" sz="1400" dirty="0" smtClean="0"/>
-            </a:br>
-            <a:r>
-              <a:rPr lang="de-DE" sz="1400" dirty="0" smtClean="0"/>
-              <a:t>diese Karte trainiert wird. Die Baseballkappe hier</a:t>
-            </a:r>
-            <a:br>
-              <a:rPr lang="de-DE" sz="1400" dirty="0" smtClean="0"/>
-            </a:br>
-            <a:r>
-              <a:rPr lang="de-DE" sz="1400" dirty="0" smtClean="0"/>
-              <a:t>bedeutet </a:t>
-            </a:r>
-            <a:r>
-              <a:rPr lang="de-DE" sz="1400" dirty="0" smtClean="0"/>
-              <a:t>„</a:t>
-            </a:r>
-            <a:r>
-              <a:rPr lang="de-DE" sz="1400" dirty="0" err="1" smtClean="0"/>
-              <a:t>Apprentice</a:t>
-            </a:r>
-            <a:r>
-              <a:rPr lang="de-DE" sz="1400" dirty="0" smtClean="0"/>
-              <a:t>“.</a:t>
-            </a:r>
-            <a:endParaRPr lang="de-DE" sz="1400" dirty="0"/>
+              <a:t>Die Anforderungen an eine Zertifizierung in diesem Move werden genau festgelegt.</a:t>
+            </a:r>
+            <a:endParaRPr lang="de-DE" sz="1400" dirty="0" smtClean="0"/>
           </a:p>
         </p:txBody>
       </p:sp>

--- a/training-cards/music moves/01_musicmoves_templates/Aufbau_einer_Karte.pptx
+++ b/training-cards/music moves/01_musicmoves_templates/Aufbau_einer_Karte.pptx
@@ -169,10 +169,9 @@
           </a:lstStyle>
           <a:p>
             <a:r>
-              <a:rPr lang="de-DE" dirty="0" smtClean="0"/>
+              <a:rPr lang="de-DE" dirty="0"/>
               <a:t>TITEL HINZUFÜGEN</a:t>
             </a:r>
-            <a:endParaRPr lang="de-DE" dirty="0"/>
           </a:p>
         </p:txBody>
       </p:sp>
@@ -203,35 +202,35 @@
           <a:p>
             <a:pPr lvl="0"/>
             <a:r>
-              <a:rPr lang="de-DE" smtClean="0"/>
+              <a:rPr lang="de-DE"/>
               <a:t>Mastertextformat bearbeiten</a:t>
             </a:r>
           </a:p>
           <a:p>
             <a:pPr lvl="1"/>
             <a:r>
-              <a:rPr lang="de-DE" smtClean="0"/>
+              <a:rPr lang="de-DE"/>
               <a:t>Zweite Ebene</a:t>
             </a:r>
           </a:p>
           <a:p>
             <a:pPr lvl="2"/>
             <a:r>
-              <a:rPr lang="de-DE" smtClean="0"/>
+              <a:rPr lang="de-DE"/>
               <a:t>Dritte Ebene</a:t>
             </a:r>
           </a:p>
           <a:p>
             <a:pPr lvl="3"/>
             <a:r>
-              <a:rPr lang="de-DE" smtClean="0"/>
+              <a:rPr lang="de-DE"/>
               <a:t>Vierte Ebene</a:t>
             </a:r>
           </a:p>
           <a:p>
             <a:pPr lvl="4"/>
             <a:r>
-              <a:rPr lang="de-DE" smtClean="0"/>
+              <a:rPr lang="de-DE"/>
               <a:t>Fünfte Ebene</a:t>
             </a:r>
             <a:endParaRPr lang="de-DE" dirty="0"/>
@@ -278,7 +277,7 @@
               <a:buNone/>
             </a:pPr>
             <a:r>
-              <a:rPr lang="de-DE" smtClean="0"/>
+              <a:rPr lang="de-DE"/>
               <a:t>Master-Untertitelformat bearbeiten</a:t>
             </a:r>
             <a:endParaRPr lang="de-DE" dirty="0"/>
@@ -394,35 +393,35 @@
           <a:p>
             <a:pPr lvl="0"/>
             <a:r>
-              <a:rPr lang="de-DE" smtClean="0"/>
+              <a:rPr lang="de-DE"/>
               <a:t>Mastertextformat bearbeiten</a:t>
             </a:r>
           </a:p>
           <a:p>
             <a:pPr lvl="1"/>
             <a:r>
-              <a:rPr lang="de-DE" smtClean="0"/>
+              <a:rPr lang="de-DE"/>
               <a:t>Zweite Ebene</a:t>
             </a:r>
           </a:p>
           <a:p>
             <a:pPr lvl="2"/>
             <a:r>
-              <a:rPr lang="de-DE" smtClean="0"/>
+              <a:rPr lang="de-DE"/>
               <a:t>Dritte Ebene</a:t>
             </a:r>
           </a:p>
           <a:p>
             <a:pPr lvl="3"/>
             <a:r>
-              <a:rPr lang="de-DE" smtClean="0"/>
+              <a:rPr lang="de-DE"/>
               <a:t>Vierte Ebene</a:t>
             </a:r>
           </a:p>
           <a:p>
             <a:pPr lvl="4"/>
             <a:r>
-              <a:rPr lang="de-DE" smtClean="0"/>
+              <a:rPr lang="de-DE"/>
               <a:t>Fünfte Ebene</a:t>
             </a:r>
             <a:endParaRPr lang="de-DE" dirty="0"/>
@@ -452,7 +451,7 @@
           <a:lstStyle/>
           <a:p>
             <a:r>
-              <a:rPr lang="de-DE" sz="2400" dirty="0" smtClean="0">
+              <a:rPr lang="de-DE" sz="2400" dirty="0">
                 <a:solidFill>
                   <a:srgbClr val="7E006B"/>
                 </a:solidFill>
@@ -462,7 +461,7 @@
               <a:t>TR	AININGS</a:t>
             </a:r>
             <a:r>
-              <a:rPr lang="de-DE" sz="2400" dirty="0" smtClean="0">
+              <a:rPr lang="de-DE" sz="2400" dirty="0">
                 <a:solidFill>
                   <a:srgbClr val="7E006B"/>
                 </a:solidFill>
@@ -557,10 +556,9 @@
           <a:lstStyle/>
           <a:p>
             <a:r>
-              <a:rPr lang="de-DE" smtClean="0"/>
+              <a:rPr lang="de-DE"/>
               <a:t>Mastertitelformat bearbeiten</a:t>
             </a:r>
-            <a:endParaRPr lang="de-DE"/>
           </a:p>
         </p:txBody>
       </p:sp>
@@ -581,7 +579,7 @@
           <a:p>
             <a:fld id="{FF5B2BAF-DF38-0A48-A798-0C06E514FD52}" type="datetimeFigureOut">
               <a:rPr lang="de-DE" smtClean="0"/>
-              <a:t>07.05.16</a:t>
+              <a:t>28.08.18</a:t>
             </a:fld>
             <a:endParaRPr lang="de-DE" dirty="0"/>
           </a:p>
@@ -692,17 +690,16 @@
           <a:p>
             <a:pPr marL="0" lvl="0" algn="l"/>
             <a:r>
-              <a:rPr lang="de-DE" dirty="0" smtClean="0"/>
+              <a:rPr lang="de-DE" dirty="0"/>
               <a:t>Überschrift </a:t>
             </a:r>
             <a:br>
-              <a:rPr lang="de-DE" dirty="0" smtClean="0"/>
+              <a:rPr lang="de-DE" dirty="0"/>
             </a:br>
             <a:r>
-              <a:rPr lang="de-DE" dirty="0" smtClean="0"/>
+              <a:rPr lang="de-DE" dirty="0"/>
               <a:t>bearbeiten </a:t>
             </a:r>
-            <a:endParaRPr lang="de-DE" dirty="0"/>
           </a:p>
         </p:txBody>
       </p:sp>
@@ -733,38 +730,37 @@
           <a:p>
             <a:pPr lvl="0"/>
             <a:r>
-              <a:rPr lang="de-DE" dirty="0" smtClean="0"/>
+              <a:rPr lang="de-DE" dirty="0"/>
               <a:t>Mastertextformat bearbeiten</a:t>
             </a:r>
           </a:p>
           <a:p>
             <a:pPr lvl="1"/>
             <a:r>
-              <a:rPr lang="de-DE" dirty="0" smtClean="0"/>
+              <a:rPr lang="de-DE" dirty="0"/>
               <a:t>Zweite Ebene</a:t>
             </a:r>
           </a:p>
           <a:p>
             <a:pPr lvl="2"/>
             <a:r>
-              <a:rPr lang="de-DE" dirty="0" smtClean="0"/>
+              <a:rPr lang="de-DE" dirty="0"/>
               <a:t>Dritte Ebene</a:t>
             </a:r>
           </a:p>
           <a:p>
             <a:pPr lvl="3"/>
             <a:r>
-              <a:rPr lang="de-DE" dirty="0" smtClean="0"/>
+              <a:rPr lang="de-DE" dirty="0"/>
               <a:t>Vierte Ebene</a:t>
             </a:r>
           </a:p>
           <a:p>
             <a:pPr lvl="4"/>
             <a:r>
-              <a:rPr lang="de-DE" dirty="0" smtClean="0"/>
+              <a:rPr lang="de-DE" dirty="0"/>
               <a:t>Fünfte Ebene</a:t>
             </a:r>
-            <a:endParaRPr lang="de-DE" dirty="0"/>
           </a:p>
         </p:txBody>
       </p:sp>
@@ -803,7 +799,7 @@
           <a:p>
             <a:fld id="{FF5B2BAF-DF38-0A48-A798-0C06E514FD52}" type="datetimeFigureOut">
               <a:rPr lang="de-DE" smtClean="0"/>
-              <a:t>07.05.16</a:t>
+              <a:t>28.08.18</a:t>
             </a:fld>
             <a:endParaRPr lang="de-DE" dirty="0"/>
           </a:p>
@@ -1037,7 +1033,7 @@
           <a:lstStyle/>
           <a:p>
             <a:r>
-              <a:rPr lang="de-DE" sz="1050" b="1" dirty="0" smtClean="0">
+              <a:rPr lang="de-DE" sz="1050" b="1" dirty="0">
                 <a:solidFill>
                   <a:schemeClr val="bg1"/>
                 </a:solidFill>
@@ -1047,7 +1043,7 @@
               <a:t>TRAININGSKARTE</a:t>
             </a:r>
             <a:r>
-              <a:rPr lang="de-DE" sz="1050" dirty="0" smtClean="0">
+              <a:rPr lang="de-DE" sz="1050" dirty="0">
                 <a:solidFill>
                   <a:schemeClr val="bg1"/>
                 </a:solidFill>
@@ -1057,7 +1053,7 @@
               <a:t> </a:t>
             </a:r>
             <a:r>
-              <a:rPr lang="de-DE" sz="1050" b="1" dirty="0" smtClean="0">
+              <a:rPr lang="de-DE" sz="1050" b="1" dirty="0">
                 <a:solidFill>
                   <a:schemeClr val="bg1"/>
                 </a:solidFill>
@@ -1066,13 +1062,6 @@
               </a:rPr>
               <a:t>XXX 00</a:t>
             </a:r>
-            <a:endParaRPr lang="de-DE" sz="1050" b="1" dirty="0">
-              <a:solidFill>
-                <a:schemeClr val="bg1"/>
-              </a:solidFill>
-              <a:latin typeface="Avenir Heavy"/>
-              <a:cs typeface="Avenir Heavy"/>
-            </a:endParaRPr>
           </a:p>
         </p:txBody>
       </p:sp>
@@ -1455,17 +1444,16 @@
           <a:lstStyle/>
           <a:p>
             <a:r>
-              <a:rPr lang="de-DE" b="1" dirty="0" smtClean="0">
+              <a:rPr lang="de-DE" b="1" dirty="0">
                 <a:latin typeface="Avenir Heavy"/>
                 <a:cs typeface="Avenir Heavy"/>
               </a:rPr>
               <a:t>TITEL</a:t>
             </a:r>
             <a:r>
-              <a:rPr lang="de-DE" dirty="0" smtClean="0"/>
+              <a:rPr lang="de-DE" dirty="0"/>
               <a:t> DER KARTE</a:t>
             </a:r>
-            <a:endParaRPr lang="de-DE" dirty="0"/>
           </a:p>
         </p:txBody>
       </p:sp>
@@ -1487,22 +1475,29 @@
           <a:lstStyle/>
           <a:p>
             <a:r>
-              <a:rPr lang="de-DE" sz="1400" dirty="0" smtClean="0"/>
-              <a:t>Hier steht der Einführungstext, der Dich an Dein Training heranführt.</a:t>
+              <a:rPr lang="de-DE" sz="1400" dirty="0"/>
+              <a:t>Hier steht der Einführungstext, der Dir </a:t>
+            </a:r>
+            <a:r>
+              <a:rPr lang="de-DE" sz="1400"/>
+              <a:t>alle notwendigen </a:t>
+            </a:r>
+            <a:r>
+              <a:rPr lang="de-DE" sz="1400" dirty="0"/>
+              <a:t>Informationen zu Deinem Training liefert.</a:t>
             </a:r>
           </a:p>
           <a:p>
             <a:pPr marL="0" indent="0">
               <a:buNone/>
             </a:pPr>
-            <a:endParaRPr lang="de-DE" sz="1400" dirty="0" smtClean="0"/>
-          </a:p>
-          <a:p>
-            <a:r>
-              <a:rPr lang="de-DE" sz="1400" dirty="0" smtClean="0"/>
-              <a:t>Es werden Hintergründe erklärt und Quellen zitiert, woher diese Trainingsidee stammt und warum sie sinnig sein soll.</a:t>
-            </a:r>
             <a:endParaRPr lang="de-DE" sz="1400" dirty="0"/>
+          </a:p>
+          <a:p>
+            <a:r>
+              <a:rPr lang="de-DE" sz="1400" dirty="0"/>
+              <a:t>Es werden Hintergründe erklärt und Quellen zitiert, woher diese Trainingsidee stammt, und warum sie sinnig sein soll.</a:t>
+            </a:r>
           </a:p>
         </p:txBody>
       </p:sp>
@@ -1530,24 +1525,20 @@
               <a:buNone/>
             </a:pPr>
             <a:r>
-              <a:rPr lang="de-DE" dirty="0" smtClean="0"/>
+              <a:rPr lang="de-DE" dirty="0"/>
               <a:t>NAME </a:t>
             </a:r>
             <a:r>
-              <a:rPr lang="de-DE" dirty="0" err="1" smtClean="0"/>
+              <a:rPr lang="de-DE" dirty="0" err="1"/>
               <a:t>DEr</a:t>
             </a:r>
             <a:r>
-              <a:rPr lang="de-DE" dirty="0" smtClean="0"/>
+              <a:rPr lang="de-DE" dirty="0"/>
               <a:t> </a:t>
             </a:r>
             <a:r>
-              <a:rPr lang="de-DE" dirty="0" err="1" smtClean="0"/>
+              <a:rPr lang="de-DE" dirty="0" err="1"/>
               <a:t>AUTORin</a:t>
-            </a:r>
-            <a:r>
-              <a:rPr lang="de-DE" dirty="0" smtClean="0"/>
-              <a:t> oder des Autors</a:t>
             </a:r>
             <a:endParaRPr lang="de-DE" dirty="0"/>
           </a:p>
@@ -1601,20 +1592,15 @@
           <a:lstStyle/>
           <a:p>
             <a:r>
-              <a:rPr lang="de-DE" sz="1400" dirty="0" smtClean="0"/>
-              <a:t>In klaren Handlungsanweisungen und mit genauen Zahlen über Zeitraum und Anzahl der Wiederholungen wird ein handfestes Training definiert, das eins zu eins umgesetzt werden kann</a:t>
-            </a:r>
-            <a:r>
-              <a:rPr lang="de-DE" sz="1400" dirty="0" smtClean="0"/>
-              <a:t>.</a:t>
-            </a:r>
-          </a:p>
-          <a:p>
-            <a:r>
-              <a:rPr lang="de-DE" sz="1400" dirty="0" smtClean="0"/>
-              <a:t>Die Anforderungen an eine Zertifizierung in diesem Move werden genau festgelegt.</a:t>
-            </a:r>
-            <a:endParaRPr lang="de-DE" sz="1400" dirty="0" smtClean="0"/>
+              <a:rPr lang="de-DE" sz="1400" dirty="0"/>
+              <a:t>In klaren Handlungsanweisungen und mit genauen Zahlen über Zeitraum und Anzahl der Wiederholungen wird ein handfestes Training definiert, das Du eins zu eins umsetzen kannst.</a:t>
+            </a:r>
+          </a:p>
+          <a:p>
+            <a:r>
+              <a:rPr lang="de-DE" sz="1400" dirty="0"/>
+              <a:t>Du kannst die Checkboxen benutzen um deinen Fortschritt zu markieren. Sie zeigen Dir, wann Du mit deinem Training fertig bist.</a:t>
+            </a:r>
           </a:p>
         </p:txBody>
       </p:sp>

--- a/training-cards/music moves/01_musicmoves_templates/Aufbau_einer_Karte.pptx
+++ b/training-cards/music moves/01_musicmoves_templates/Aufbau_einer_Karte.pptx
@@ -579,7 +579,7 @@
           <a:p>
             <a:fld id="{FF5B2BAF-DF38-0A48-A798-0C06E514FD52}" type="datetimeFigureOut">
               <a:rPr lang="de-DE" smtClean="0"/>
-              <a:t>28.08.18</a:t>
+              <a:t>03.09.18</a:t>
             </a:fld>
             <a:endParaRPr lang="de-DE" dirty="0"/>
           </a:p>
@@ -799,7 +799,7 @@
           <a:p>
             <a:fld id="{FF5B2BAF-DF38-0A48-A798-0C06E514FD52}" type="datetimeFigureOut">
               <a:rPr lang="de-DE" smtClean="0"/>
-              <a:t>28.08.18</a:t>
+              <a:t>03.09.18</a:t>
             </a:fld>
             <a:endParaRPr lang="de-DE" dirty="0"/>
           </a:p>
@@ -1601,6 +1601,161 @@
               <a:rPr lang="de-DE" sz="1400" dirty="0"/>
               <a:t>Du kannst die Checkboxen benutzen um deinen Fortschritt zu markieren. Sie zeigen Dir, wann Du mit deinem Training fertig bist.</a:t>
             </a:r>
+          </a:p>
+        </p:txBody>
+      </p:sp>
+      <p:sp>
+        <p:nvSpPr>
+          <p:cNvPr id="3" name="Shape 7">
+            <a:extLst>
+              <a:ext uri="{FF2B5EF4-FFF2-40B4-BE49-F238E27FC236}">
+                <a16:creationId xmlns:a16="http://schemas.microsoft.com/office/drawing/2014/main" id="{C73B5AEE-F757-8449-AED8-11E7F039B500}"/>
+              </a:ext>
+            </a:extLst>
+          </p:cNvPr>
+          <p:cNvSpPr/>
+          <p:nvPr/>
+        </p:nvSpPr>
+        <p:spPr>
+          <a:xfrm>
+            <a:off x="1683417" y="4952581"/>
+            <a:ext cx="4196016" cy="276995"/>
+          </a:xfrm>
+          <a:prstGeom prst="rect">
+            <a:avLst/>
+          </a:prstGeom>
+          <a:ln w="12700">
+            <a:miter lim="400000"/>
+          </a:ln>
+          <a:extLst>
+            <a:ext uri="{C572A759-6A51-4108-AA02-DFA0A04FC94B}">
+              <ma14:wrappingTextBoxFlag xmlns="" xmlns:ma14="http://schemas.microsoft.com/office/mac/drawingml/2011/main" val="1"/>
+            </a:ext>
+          </a:extLst>
+        </p:spPr>
+        <p:txBody>
+          <a:bodyPr wrap="none" lIns="45718" tIns="45718" rIns="45718" bIns="45718">
+            <a:spAutoFit/>
+          </a:bodyPr>
+          <a:lstStyle/>
+          <a:p>
+            <a:pPr lvl="0" algn="ctr">
+              <a:defRPr sz="1800"/>
+            </a:pPr>
+            <a:r>
+              <a:rPr sz="600" dirty="0">
+                <a:latin typeface="Avenir Light"/>
+                <a:ea typeface="Calibri"/>
+                <a:cs typeface="Avenir Light"/>
+                <a:sym typeface="Calibri"/>
+              </a:rPr>
+              <a:t>This work is licensed under the Creative Commons Attribution-NonCommercial-NoDerivatives 4.0 International License. </a:t>
+            </a:r>
+          </a:p>
+          <a:p>
+            <a:pPr lvl="0" algn="ctr">
+              <a:defRPr sz="1800"/>
+            </a:pPr>
+            <a:r>
+              <a:rPr sz="600" dirty="0">
+                <a:latin typeface="Avenir Light"/>
+                <a:ea typeface="Calibri"/>
+                <a:cs typeface="Avenir Light"/>
+                <a:sym typeface="Calibri"/>
+              </a:rPr>
+              <a:t>To view a copy of this license, visit http://creativecommons.org/licenses/by-nc-nd/4.0/.</a:t>
+            </a:r>
+          </a:p>
+        </p:txBody>
+      </p:sp>
+      <p:pic>
+        <p:nvPicPr>
+          <p:cNvPr id="4" name="pasted-image.tif">
+            <a:extLst>
+              <a:ext uri="{FF2B5EF4-FFF2-40B4-BE49-F238E27FC236}">
+                <a16:creationId xmlns:a16="http://schemas.microsoft.com/office/drawing/2014/main" id="{25B0D941-68F3-2942-9EE4-C454B1DF77DC}"/>
+              </a:ext>
+            </a:extLst>
+          </p:cNvPr>
+          <p:cNvPicPr/>
+          <p:nvPr/>
+        </p:nvPicPr>
+        <p:blipFill>
+          <a:blip r:embed="rId2">
+            <a:extLst/>
+          </a:blip>
+          <a:stretch>
+            <a:fillRect/>
+          </a:stretch>
+        </p:blipFill>
+        <p:spPr>
+          <a:xfrm>
+            <a:off x="6174185" y="4992838"/>
+            <a:ext cx="886619" cy="214128"/>
+          </a:xfrm>
+          <a:prstGeom prst="rect">
+            <a:avLst/>
+          </a:prstGeom>
+          <a:ln w="12700">
+            <a:miter lim="400000"/>
+          </a:ln>
+        </p:spPr>
+      </p:pic>
+      <p:sp>
+        <p:nvSpPr>
+          <p:cNvPr id="5" name="Textfeld 4">
+            <a:extLst>
+              <a:ext uri="{FF2B5EF4-FFF2-40B4-BE49-F238E27FC236}">
+                <a16:creationId xmlns:a16="http://schemas.microsoft.com/office/drawing/2014/main" id="{4F74B6D8-17BD-4C40-B9D9-8F3574A028BD}"/>
+              </a:ext>
+            </a:extLst>
+          </p:cNvPr>
+          <p:cNvSpPr txBox="1"/>
+          <p:nvPr/>
+        </p:nvSpPr>
+        <p:spPr>
+          <a:xfrm>
+            <a:off x="239285" y="4936890"/>
+            <a:ext cx="1044856" cy="276999"/>
+          </a:xfrm>
+          <a:prstGeom prst="rect">
+            <a:avLst/>
+          </a:prstGeom>
+          <a:noFill/>
+        </p:spPr>
+        <p:txBody>
+          <a:bodyPr wrap="square" rtlCol="0">
+            <a:spAutoFit/>
+          </a:bodyPr>
+          <a:lstStyle/>
+          <a:p>
+            <a:r>
+              <a:rPr lang="de-DE" sz="600" dirty="0">
+                <a:solidFill>
+                  <a:srgbClr val="5D5E5F"/>
+                </a:solidFill>
+                <a:latin typeface="Avenir Light"/>
+                <a:cs typeface="Avenir Light"/>
+              </a:rPr>
+              <a:t>Letzte Änderung: </a:t>
+            </a:r>
+            <a:fld id="{7A8C7DAC-E536-564C-B5B3-90E8FAB50562}" type="datetime1">
+              <a:rPr lang="de-DE" sz="600" smtClean="0">
+                <a:solidFill>
+                  <a:srgbClr val="5D5E5F"/>
+                </a:solidFill>
+                <a:latin typeface="Avenir Light"/>
+                <a:cs typeface="Avenir Light"/>
+              </a:rPr>
+              <a:t>03.09.18</a:t>
+            </a:fld>
+            <a:endParaRPr lang="de-DE" sz="600" dirty="0">
+              <a:solidFill>
+                <a:srgbClr val="5D5E5F"/>
+              </a:solidFill>
+              <a:latin typeface="Avenir Light"/>
+              <a:cs typeface="Avenir Light"/>
+            </a:endParaRPr>
           </a:p>
         </p:txBody>
       </p:sp>
